--- a/Task 3 is vib.pptx
+++ b/Task 3 is vib.pptx
@@ -107,6 +107,11 @@
       </a:defRPr>
     </a:lvl9pPr>
   </p:defaultTextStyle>
+  <p:extLst>
+    <p:ext uri="{EFAFB233-063F-42B5-8137-9DF3F51BA10A}">
+      <p15:sldGuideLst xmlns:p15="http://schemas.microsoft.com/office/powerpoint/2012/main"/>
+    </p:ext>
+  </p:extLst>
 </p:presentation>
 </file>
 
@@ -3085,12 +3090,20 @@
               <a:buNone/>
             </a:pPr>
             <a:r>
+              <a:rPr lang="en-US" sz="1700" b="1" dirty="0">
+                <a:solidFill>
+                  <a:prstClr val="black"/>
+                </a:solidFill>
+              </a:rPr>
+              <a:t>Domain</a:t>
+            </a:r>
+            <a:r>
               <a:rPr lang="en-US" sz="1700" dirty="0">
                 <a:solidFill>
                   <a:prstClr val="black"/>
                 </a:solidFill>
               </a:rPr>
-              <a:t>Domain: </a:t>
+              <a:t>: </a:t>
             </a:r>
             <a:r>
               <a:rPr lang="en-US" sz="1700" dirty="0">
@@ -3156,12 +3169,20 @@
               <a:buNone/>
             </a:pPr>
             <a:r>
+              <a:rPr lang="en-US" sz="1700" b="1" dirty="0">
+                <a:solidFill>
+                  <a:prstClr val="black"/>
+                </a:solidFill>
+              </a:rPr>
+              <a:t>Target IP                </a:t>
+            </a:r>
+            <a:r>
               <a:rPr lang="en-US" sz="1700" dirty="0">
                 <a:solidFill>
                   <a:prstClr val="black"/>
                 </a:solidFill>
               </a:rPr>
-              <a:t>Target IP                : </a:t>
+              <a:t>: </a:t>
             </a:r>
             <a:r>
               <a:rPr lang="en-US" sz="1700" dirty="0" smtClean="0">
@@ -3182,12 +3203,20 @@
               <a:buNone/>
             </a:pPr>
             <a:r>
+              <a:rPr lang="en-US" sz="1700" b="1" dirty="0">
+                <a:solidFill>
+                  <a:prstClr val="black"/>
+                </a:solidFill>
+              </a:rPr>
+              <a:t>Classifications </a:t>
+            </a:r>
+            <a:r>
               <a:rPr lang="en-US" sz="1700" dirty="0">
                 <a:solidFill>
                   <a:prstClr val="black"/>
                 </a:solidFill>
               </a:rPr>
-              <a:t>Classifications       :  </a:t>
+              <a:t>      :  </a:t>
             </a:r>
             <a:r>
               <a:rPr lang="en-US" sz="1700" dirty="0" smtClean="0">
@@ -3457,7 +3486,7 @@
         </p:nvSpPr>
         <p:spPr>
           <a:xfrm>
-            <a:off x="838200" y="643944"/>
+            <a:off x="838200" y="708338"/>
             <a:ext cx="10515600" cy="5533019"/>
           </a:xfrm>
         </p:spPr>
@@ -3481,12 +3510,20 @@
               <a:buNone/>
             </a:pPr>
             <a:r>
+              <a:rPr lang="en-US" sz="1700" b="1" dirty="0" smtClean="0">
+                <a:solidFill>
+                  <a:prstClr val="black"/>
+                </a:solidFill>
+              </a:rPr>
+              <a:t>Vulnerabilities</a:t>
+            </a:r>
+            <a:r>
               <a:rPr lang="en-US" sz="1700" dirty="0" smtClean="0">
                 <a:solidFill>
                   <a:prstClr val="black"/>
                 </a:solidFill>
               </a:rPr>
-              <a:t>Vulnerabilities :  </a:t>
+              <a:t> :  </a:t>
             </a:r>
             <a:r>
               <a:rPr lang="en-US" sz="1700" dirty="0">
@@ -3996,9 +4033,9 @@
           </p:nvPr>
         </p:nvSpPr>
         <p:spPr>
-          <a:xfrm>
-            <a:off x="838200" y="-154546"/>
-            <a:ext cx="10515600" cy="154546"/>
+          <a:xfrm flipV="1">
+            <a:off x="838200" y="-1"/>
+            <a:ext cx="10515600" cy="45719"/>
           </a:xfrm>
         </p:spPr>
         <p:txBody>
@@ -4439,7 +4476,7 @@
               <a:buNone/>
             </a:pPr>
             <a:r>
-              <a:rPr lang="en-US" sz="2000" dirty="0" smtClean="0">
+              <a:rPr lang="en-US" sz="2000" b="1" dirty="0" smtClean="0">
                 <a:solidFill>
                   <a:prstClr val="black"/>
                 </a:solidFill>
@@ -4646,7 +4683,15 @@
             </a:r>
             <a:r>
               <a:rPr lang="en-US" sz="2000" dirty="0" smtClean="0"/>
-              <a:t>    References: </a:t>
+              <a:t>    </a:t>
+            </a:r>
+            <a:r>
+              <a:rPr lang="en-US" sz="2000" b="1" dirty="0" smtClean="0"/>
+              <a:t>References</a:t>
+            </a:r>
+            <a:r>
+              <a:rPr lang="en-US" sz="2000" dirty="0" smtClean="0"/>
+              <a:t>: </a:t>
             </a:r>
             <a:r>
               <a:rPr lang="en-US" sz="2000" dirty="0" smtClean="0">
